--- a/Final_Results/UCLA_WiDS_Team_2_Results.pptx
+++ b/Final_Results/UCLA_WiDS_Team_2_Results.pptx
@@ -8,6 +8,9 @@
     <p:sldId id="256" r:id="rId2"/>
     <p:sldId id="257" r:id="rId3"/>
     <p:sldId id="258" r:id="rId4"/>
+    <p:sldId id="261" r:id="rId5"/>
+    <p:sldId id="260" r:id="rId6"/>
+    <p:sldId id="259" r:id="rId7"/>
   </p:sldIdLst>
   <p:sldSz cx="12192000" cy="6858000"/>
   <p:notesSz cx="6858000" cy="9144000"/>
@@ -265,7 +268,7 @@
           <a:p>
             <a:fld id="{326951E3-958F-4611-B170-D081BA0250F9}" type="datetimeFigureOut">
               <a:rPr lang="en-US" smtClean="0"/>
-              <a:t>3/24/2025</a:t>
+              <a:t>3/25/2025</a:t>
             </a:fld>
             <a:endParaRPr lang="en-US"/>
           </a:p>
@@ -463,7 +466,7 @@
           <a:p>
             <a:fld id="{326951E3-958F-4611-B170-D081BA0250F9}" type="datetimeFigureOut">
               <a:rPr lang="en-US" smtClean="0"/>
-              <a:t>3/24/2025</a:t>
+              <a:t>3/25/2025</a:t>
             </a:fld>
             <a:endParaRPr lang="en-US"/>
           </a:p>
@@ -671,7 +674,7 @@
           <a:p>
             <a:fld id="{326951E3-958F-4611-B170-D081BA0250F9}" type="datetimeFigureOut">
               <a:rPr lang="en-US" smtClean="0"/>
-              <a:t>3/24/2025</a:t>
+              <a:t>3/25/2025</a:t>
             </a:fld>
             <a:endParaRPr lang="en-US"/>
           </a:p>
@@ -869,7 +872,7 @@
           <a:p>
             <a:fld id="{326951E3-958F-4611-B170-D081BA0250F9}" type="datetimeFigureOut">
               <a:rPr lang="en-US" smtClean="0"/>
-              <a:t>3/24/2025</a:t>
+              <a:t>3/25/2025</a:t>
             </a:fld>
             <a:endParaRPr lang="en-US"/>
           </a:p>
@@ -1146,7 +1149,7 @@
           <a:p>
             <a:fld id="{326951E3-958F-4611-B170-D081BA0250F9}" type="datetimeFigureOut">
               <a:rPr lang="en-US" smtClean="0"/>
-              <a:t>3/24/2025</a:t>
+              <a:t>3/25/2025</a:t>
             </a:fld>
             <a:endParaRPr lang="en-US"/>
           </a:p>
@@ -1411,7 +1414,7 @@
           <a:p>
             <a:fld id="{326951E3-958F-4611-B170-D081BA0250F9}" type="datetimeFigureOut">
               <a:rPr lang="en-US" smtClean="0"/>
-              <a:t>3/24/2025</a:t>
+              <a:t>3/25/2025</a:t>
             </a:fld>
             <a:endParaRPr lang="en-US"/>
           </a:p>
@@ -1833,7 +1836,7 @@
           <a:p>
             <a:fld id="{326951E3-958F-4611-B170-D081BA0250F9}" type="datetimeFigureOut">
               <a:rPr lang="en-US" smtClean="0"/>
-              <a:t>3/24/2025</a:t>
+              <a:t>3/25/2025</a:t>
             </a:fld>
             <a:endParaRPr lang="en-US"/>
           </a:p>
@@ -1985,7 +1988,7 @@
           <a:p>
             <a:fld id="{326951E3-958F-4611-B170-D081BA0250F9}" type="datetimeFigureOut">
               <a:rPr lang="en-US" smtClean="0"/>
-              <a:t>3/24/2025</a:t>
+              <a:t>3/25/2025</a:t>
             </a:fld>
             <a:endParaRPr lang="en-US"/>
           </a:p>
@@ -2098,7 +2101,7 @@
           <a:p>
             <a:fld id="{326951E3-958F-4611-B170-D081BA0250F9}" type="datetimeFigureOut">
               <a:rPr lang="en-US" smtClean="0"/>
-              <a:t>3/24/2025</a:t>
+              <a:t>3/25/2025</a:t>
             </a:fld>
             <a:endParaRPr lang="en-US"/>
           </a:p>
@@ -2416,7 +2419,7 @@
           <a:p>
             <a:fld id="{326951E3-958F-4611-B170-D081BA0250F9}" type="datetimeFigureOut">
               <a:rPr lang="en-US" smtClean="0"/>
-              <a:t>3/24/2025</a:t>
+              <a:t>3/25/2025</a:t>
             </a:fld>
             <a:endParaRPr lang="en-US"/>
           </a:p>
@@ -2752,7 +2755,7 @@
           <a:p>
             <a:fld id="{326951E3-958F-4611-B170-D081BA0250F9}" type="datetimeFigureOut">
               <a:rPr lang="en-US" smtClean="0"/>
-              <a:t>3/24/2025</a:t>
+              <a:t>3/25/2025</a:t>
             </a:fld>
             <a:endParaRPr lang="en-US"/>
           </a:p>
@@ -3041,7 +3044,7 @@
             <a:fld id="{326951E3-958F-4611-B170-D081BA0250F9}" type="datetimeFigureOut">
               <a:rPr lang="en-US" smtClean="0"/>
               <a:pPr/>
-              <a:t>3/24/2025</a:t>
+              <a:t>3/25/2025</a:t>
             </a:fld>
             <a:endParaRPr lang="en-US" dirty="0"/>
           </a:p>
@@ -4246,29 +4249,28 @@
           <a:p>
             <a:r>
               <a:rPr lang="en-US" dirty="0"/>
-              <a:t>We created an </a:t>
-            </a:r>
-            <a:r>
-              <a:rPr lang="en-US"/>
-              <a:t>initial project plan on Notion (</a:t>
-            </a:r>
-            <a:r>
-              <a:rPr lang="en-US">
+              <a:t>We created an initial project plan on Notion (</a:t>
+            </a:r>
+            <a:r>
+              <a:rPr lang="en-US" dirty="0">
                 <a:hlinkClick r:id="rId2"/>
               </a:rPr>
               <a:t>https://www.notion.so/Spring-AI-Studio-Sprint-Planning-1865e0fb585080d8a089e92641db6bd2</a:t>
             </a:r>
             <a:r>
-              <a:rPr lang="en-US"/>
+              <a:rPr lang="en-US" dirty="0"/>
               <a:t>)</a:t>
             </a:r>
           </a:p>
           <a:p>
+            <a:r>
+              <a:rPr lang="en-US" dirty="0"/>
+              <a:t>Determined which models to try</a:t>
+            </a:r>
+          </a:p>
+          <a:p>
             <a:endParaRPr lang="en-US" dirty="0"/>
           </a:p>
-          <a:p>
-            <a:endParaRPr lang="en-US" dirty="0"/>
-          </a:p>
         </p:txBody>
       </p:sp>
       <p:sp>
@@ -4292,7 +4294,39 @@
           <a:bodyPr/>
           <a:lstStyle/>
           <a:p>
-            <a:endParaRPr lang="en-US"/>
+            <a:r>
+              <a:rPr lang="en-US" dirty="0"/>
+              <a:t>CRISP-DM</a:t>
+            </a:r>
+          </a:p>
+          <a:p>
+            <a:pPr lvl="1"/>
+            <a:r>
+              <a:rPr lang="en-US" b="1" dirty="0"/>
+              <a:t>Business Understanding</a:t>
+            </a:r>
+            <a:r>
+              <a:rPr lang="en-US" dirty="0"/>
+              <a:t>: we researched different models, focusing on ones that specialize in binary classification</a:t>
+            </a:r>
+          </a:p>
+          <a:p>
+            <a:pPr lvl="1"/>
+            <a:r>
+              <a:rPr lang="en-US" b="1" dirty="0"/>
+              <a:t>Data Understanding</a:t>
+            </a:r>
+            <a:r>
+              <a:rPr lang="en-US" dirty="0"/>
+              <a:t>: we looked through the datasets together</a:t>
+            </a:r>
+          </a:p>
+          <a:p>
+            <a:pPr lvl="1"/>
+            <a:r>
+              <a:rPr lang="en-US" dirty="0"/>
+              <a:t>Data Preparation: we each completed similar steps but </a:t>
+            </a:r>
           </a:p>
         </p:txBody>
       </p:sp>
@@ -4300,6 +4334,391 @@
     <p:extLst>
       <p:ext uri="{BB962C8B-B14F-4D97-AF65-F5344CB8AC3E}">
         <p14:creationId xmlns:p14="http://schemas.microsoft.com/office/powerpoint/2010/main" val="1296522678"/>
+      </p:ext>
+    </p:extLst>
+  </p:cSld>
+  <p:clrMapOvr>
+    <a:masterClrMapping/>
+  </p:clrMapOvr>
+</p:sld>
+</file>
+
+<file path=ppt/slides/slide4.xml><?xml version="1.0" encoding="utf-8"?>
+<p:sld xmlns:a="http://schemas.openxmlformats.org/drawingml/2006/main" xmlns:r="http://schemas.openxmlformats.org/officeDocument/2006/relationships" xmlns:p="http://schemas.openxmlformats.org/presentationml/2006/main">
+  <p:cSld>
+    <p:spTree>
+      <p:nvGrpSpPr>
+        <p:cNvPr id="1" name=""/>
+        <p:cNvGrpSpPr/>
+        <p:nvPr/>
+      </p:nvGrpSpPr>
+      <p:grpSpPr>
+        <a:xfrm>
+          <a:off x="0" y="0"/>
+          <a:ext cx="0" cy="0"/>
+          <a:chOff x="0" y="0"/>
+          <a:chExt cx="0" cy="0"/>
+        </a:xfrm>
+      </p:grpSpPr>
+      <p:sp>
+        <p:nvSpPr>
+          <p:cNvPr id="2" name="Title 1">
+            <a:extLst>
+              <a:ext uri="{FF2B5EF4-FFF2-40B4-BE49-F238E27FC236}">
+                <a16:creationId xmlns:a16="http://schemas.microsoft.com/office/drawing/2014/main" id="{9DF3EB6F-B894-DDEE-4167-F6D5688968FF}"/>
+              </a:ext>
+            </a:extLst>
+          </p:cNvPr>
+          <p:cNvSpPr>
+            <a:spLocks noGrp="1"/>
+          </p:cNvSpPr>
+          <p:nvPr>
+            <p:ph type="title"/>
+          </p:nvPr>
+        </p:nvSpPr>
+        <p:spPr/>
+        <p:txBody>
+          <a:bodyPr/>
+          <a:lstStyle/>
+          <a:p>
+            <a:r>
+              <a:rPr lang="en-US" dirty="0"/>
+              <a:t>Data Preparation</a:t>
+            </a:r>
+          </a:p>
+        </p:txBody>
+      </p:sp>
+      <p:sp>
+        <p:nvSpPr>
+          <p:cNvPr id="3" name="Content Placeholder 2">
+            <a:extLst>
+              <a:ext uri="{FF2B5EF4-FFF2-40B4-BE49-F238E27FC236}">
+                <a16:creationId xmlns:a16="http://schemas.microsoft.com/office/drawing/2014/main" id="{78B59C20-5D57-4B49-7023-6732BD2888F5}"/>
+              </a:ext>
+            </a:extLst>
+          </p:cNvPr>
+          <p:cNvSpPr>
+            <a:spLocks noGrp="1"/>
+          </p:cNvSpPr>
+          <p:nvPr>
+            <p:ph sz="half" idx="1"/>
+          </p:nvPr>
+        </p:nvSpPr>
+        <p:spPr/>
+        <p:txBody>
+          <a:bodyPr/>
+          <a:lstStyle/>
+          <a:p>
+            <a:endParaRPr lang="en-US" dirty="0"/>
+          </a:p>
+        </p:txBody>
+      </p:sp>
+      <p:sp>
+        <p:nvSpPr>
+          <p:cNvPr id="4" name="Content Placeholder 3">
+            <a:extLst>
+              <a:ext uri="{FF2B5EF4-FFF2-40B4-BE49-F238E27FC236}">
+                <a16:creationId xmlns:a16="http://schemas.microsoft.com/office/drawing/2014/main" id="{8B86BEFB-648A-7C37-5C89-09F1C56F88F0}"/>
+              </a:ext>
+            </a:extLst>
+          </p:cNvPr>
+          <p:cNvSpPr>
+            <a:spLocks noGrp="1"/>
+          </p:cNvSpPr>
+          <p:nvPr>
+            <p:ph sz="half" idx="2"/>
+          </p:nvPr>
+        </p:nvSpPr>
+        <p:spPr/>
+        <p:txBody>
+          <a:bodyPr/>
+          <a:lstStyle/>
+          <a:p>
+            <a:endParaRPr lang="en-US"/>
+          </a:p>
+        </p:txBody>
+      </p:sp>
+    </p:spTree>
+    <p:extLst>
+      <p:ext uri="{BB962C8B-B14F-4D97-AF65-F5344CB8AC3E}">
+        <p14:creationId xmlns:p14="http://schemas.microsoft.com/office/powerpoint/2010/main" val="1443612489"/>
+      </p:ext>
+    </p:extLst>
+  </p:cSld>
+  <p:clrMapOvr>
+    <a:masterClrMapping/>
+  </p:clrMapOvr>
+</p:sld>
+</file>
+
+<file path=ppt/slides/slide5.xml><?xml version="1.0" encoding="utf-8"?>
+<p:sld xmlns:a="http://schemas.openxmlformats.org/drawingml/2006/main" xmlns:r="http://schemas.openxmlformats.org/officeDocument/2006/relationships" xmlns:p="http://schemas.openxmlformats.org/presentationml/2006/main">
+  <p:cSld>
+    <p:spTree>
+      <p:nvGrpSpPr>
+        <p:cNvPr id="1" name=""/>
+        <p:cNvGrpSpPr/>
+        <p:nvPr/>
+      </p:nvGrpSpPr>
+      <p:grpSpPr>
+        <a:xfrm>
+          <a:off x="0" y="0"/>
+          <a:ext cx="0" cy="0"/>
+          <a:chOff x="0" y="0"/>
+          <a:chExt cx="0" cy="0"/>
+        </a:xfrm>
+      </p:grpSpPr>
+      <p:sp>
+        <p:nvSpPr>
+          <p:cNvPr id="2" name="Title 1">
+            <a:extLst>
+              <a:ext uri="{FF2B5EF4-FFF2-40B4-BE49-F238E27FC236}">
+                <a16:creationId xmlns:a16="http://schemas.microsoft.com/office/drawing/2014/main" id="{979FD40C-AACB-4AFF-98F9-501931EC0681}"/>
+              </a:ext>
+            </a:extLst>
+          </p:cNvPr>
+          <p:cNvSpPr>
+            <a:spLocks noGrp="1"/>
+          </p:cNvSpPr>
+          <p:nvPr>
+            <p:ph type="title"/>
+          </p:nvPr>
+        </p:nvSpPr>
+        <p:spPr/>
+        <p:txBody>
+          <a:bodyPr>
+            <a:normAutofit/>
+          </a:bodyPr>
+          <a:lstStyle/>
+          <a:p>
+            <a:r>
+              <a:rPr lang="en-US" dirty="0"/>
+              <a:t>Modeling + Evaluation</a:t>
+            </a:r>
+          </a:p>
+        </p:txBody>
+      </p:sp>
+      <p:sp>
+        <p:nvSpPr>
+          <p:cNvPr id="3" name="Content Placeholder 2">
+            <a:extLst>
+              <a:ext uri="{FF2B5EF4-FFF2-40B4-BE49-F238E27FC236}">
+                <a16:creationId xmlns:a16="http://schemas.microsoft.com/office/drawing/2014/main" id="{8299ECD1-C754-841C-D322-1C9770F771D3}"/>
+              </a:ext>
+            </a:extLst>
+          </p:cNvPr>
+          <p:cNvSpPr>
+            <a:spLocks noGrp="1"/>
+          </p:cNvSpPr>
+          <p:nvPr>
+            <p:ph sz="half" idx="1"/>
+          </p:nvPr>
+        </p:nvSpPr>
+        <p:spPr/>
+        <p:txBody>
+          <a:bodyPr/>
+          <a:lstStyle/>
+          <a:p>
+            <a:endParaRPr lang="en-US"/>
+          </a:p>
+        </p:txBody>
+      </p:sp>
+      <p:sp>
+        <p:nvSpPr>
+          <p:cNvPr id="4" name="Content Placeholder 3">
+            <a:extLst>
+              <a:ext uri="{FF2B5EF4-FFF2-40B4-BE49-F238E27FC236}">
+                <a16:creationId xmlns:a16="http://schemas.microsoft.com/office/drawing/2014/main" id="{046EA174-83A6-0FF5-5FF8-F10B035FA2D8}"/>
+              </a:ext>
+            </a:extLst>
+          </p:cNvPr>
+          <p:cNvSpPr>
+            <a:spLocks noGrp="1"/>
+          </p:cNvSpPr>
+          <p:nvPr>
+            <p:ph sz="half" idx="2"/>
+          </p:nvPr>
+        </p:nvSpPr>
+        <p:spPr/>
+        <p:txBody>
+          <a:bodyPr/>
+          <a:lstStyle/>
+          <a:p>
+            <a:endParaRPr lang="en-US"/>
+          </a:p>
+        </p:txBody>
+      </p:sp>
+    </p:spTree>
+    <p:extLst>
+      <p:ext uri="{BB962C8B-B14F-4D97-AF65-F5344CB8AC3E}">
+        <p14:creationId xmlns:p14="http://schemas.microsoft.com/office/powerpoint/2010/main" val="4076141001"/>
+      </p:ext>
+    </p:extLst>
+  </p:cSld>
+  <p:clrMapOvr>
+    <a:masterClrMapping/>
+  </p:clrMapOvr>
+</p:sld>
+</file>
+
+<file path=ppt/slides/slide6.xml><?xml version="1.0" encoding="utf-8"?>
+<p:sld xmlns:a="http://schemas.openxmlformats.org/drawingml/2006/main" xmlns:r="http://schemas.openxmlformats.org/officeDocument/2006/relationships" xmlns:p="http://schemas.openxmlformats.org/presentationml/2006/main">
+  <p:cSld>
+    <p:spTree>
+      <p:nvGrpSpPr>
+        <p:cNvPr id="1" name=""/>
+        <p:cNvGrpSpPr/>
+        <p:nvPr/>
+      </p:nvGrpSpPr>
+      <p:grpSpPr>
+        <a:xfrm>
+          <a:off x="0" y="0"/>
+          <a:ext cx="0" cy="0"/>
+          <a:chOff x="0" y="0"/>
+          <a:chExt cx="0" cy="0"/>
+        </a:xfrm>
+      </p:grpSpPr>
+      <p:sp>
+        <p:nvSpPr>
+          <p:cNvPr id="2" name="Title 1">
+            <a:extLst>
+              <a:ext uri="{FF2B5EF4-FFF2-40B4-BE49-F238E27FC236}">
+                <a16:creationId xmlns:a16="http://schemas.microsoft.com/office/drawing/2014/main" id="{CC0E7F39-2A36-6354-28CD-6AA473EF59FF}"/>
+              </a:ext>
+            </a:extLst>
+          </p:cNvPr>
+          <p:cNvSpPr>
+            <a:spLocks noGrp="1"/>
+          </p:cNvSpPr>
+          <p:nvPr>
+            <p:ph type="title"/>
+          </p:nvPr>
+        </p:nvSpPr>
+        <p:spPr/>
+        <p:txBody>
+          <a:bodyPr>
+            <a:normAutofit/>
+          </a:bodyPr>
+          <a:lstStyle/>
+          <a:p>
+            <a:r>
+              <a:rPr lang="en-US" dirty="0"/>
+              <a:t>BEST PERFORMING MODEL</a:t>
+            </a:r>
+          </a:p>
+        </p:txBody>
+      </p:sp>
+      <p:sp>
+        <p:nvSpPr>
+          <p:cNvPr id="3" name="Picture Placeholder 2">
+            <a:extLst>
+              <a:ext uri="{FF2B5EF4-FFF2-40B4-BE49-F238E27FC236}">
+                <a16:creationId xmlns:a16="http://schemas.microsoft.com/office/drawing/2014/main" id="{40706CE1-ED4B-627A-3A8A-0B93921E60F2}"/>
+              </a:ext>
+            </a:extLst>
+          </p:cNvPr>
+          <p:cNvSpPr>
+            <a:spLocks noGrp="1"/>
+          </p:cNvSpPr>
+          <p:nvPr>
+            <p:ph type="pic" idx="1"/>
+          </p:nvPr>
+        </p:nvSpPr>
+        <p:spPr/>
+        <p:txBody>
+          <a:bodyPr/>
+          <a:lstStyle/>
+          <a:p>
+            <a:endParaRPr lang="en-US" dirty="0"/>
+          </a:p>
+        </p:txBody>
+      </p:sp>
+      <p:sp>
+        <p:nvSpPr>
+          <p:cNvPr id="4" name="Text Placeholder 3">
+            <a:extLst>
+              <a:ext uri="{FF2B5EF4-FFF2-40B4-BE49-F238E27FC236}">
+                <a16:creationId xmlns:a16="http://schemas.microsoft.com/office/drawing/2014/main" id="{11A03666-C80C-1775-5506-2F0CF3F02C62}"/>
+              </a:ext>
+            </a:extLst>
+          </p:cNvPr>
+          <p:cNvSpPr>
+            <a:spLocks noGrp="1"/>
+          </p:cNvSpPr>
+          <p:nvPr>
+            <p:ph type="body" sz="half" idx="2"/>
+          </p:nvPr>
+        </p:nvSpPr>
+        <p:spPr/>
+        <p:txBody>
+          <a:bodyPr>
+            <a:normAutofit lnSpcReduction="10000"/>
+          </a:bodyPr>
+          <a:lstStyle/>
+          <a:p>
+            <a:r>
+              <a:rPr lang="en-US" b="1" dirty="0"/>
+              <a:t>Highest Accuracy: 76.031%</a:t>
+            </a:r>
+          </a:p>
+          <a:p>
+            <a:pPr marL="285750" indent="-285750">
+              <a:buFont typeface="Wingdings" panose="05000000000000000000" pitchFamily="2" charset="2"/>
+              <a:buChar char="Ø"/>
+            </a:pPr>
+            <a:r>
+              <a:rPr lang="en-US" dirty="0" err="1"/>
+              <a:t>COMBINED.ipynb</a:t>
+            </a:r>
+            <a:endParaRPr lang="en-US" dirty="0"/>
+          </a:p>
+          <a:p>
+            <a:pPr marL="742950" lvl="1" indent="-285750">
+              <a:buFont typeface="Wingdings" panose="05000000000000000000" pitchFamily="2" charset="2"/>
+              <a:buChar char="Ø"/>
+            </a:pPr>
+            <a:r>
+              <a:rPr lang="en-US" dirty="0"/>
+              <a:t>Best decision tree model predicted the ADHD column</a:t>
+            </a:r>
+          </a:p>
+          <a:p>
+            <a:pPr marL="742950" lvl="1" indent="-285750">
+              <a:buFont typeface="Wingdings" panose="05000000000000000000" pitchFamily="2" charset="2"/>
+              <a:buChar char="Ø"/>
+            </a:pPr>
+            <a:r>
+              <a:rPr lang="en-US" dirty="0"/>
+              <a:t>Optimized random forest model predicted the SEX column</a:t>
+            </a:r>
+            <a:endParaRPr lang="en-US" sz="1600" dirty="0"/>
+          </a:p>
+          <a:p>
+            <a:pPr marL="742950" lvl="1" indent="-285750">
+              <a:buFont typeface="Wingdings" panose="05000000000000000000" pitchFamily="2" charset="2"/>
+              <a:buChar char="Ø"/>
+            </a:pPr>
+            <a:r>
+              <a:rPr lang="en-US" dirty="0"/>
+              <a:t>Adjustments of parameter values to find the best model</a:t>
+            </a:r>
+          </a:p>
+          <a:p>
+            <a:pPr marL="742950" lvl="1" indent="-285750">
+              <a:buFont typeface="Wingdings" panose="05000000000000000000" pitchFamily="2" charset="2"/>
+              <a:buChar char="Ø"/>
+            </a:pPr>
+            <a:r>
+              <a:rPr lang="en-US" dirty="0"/>
+              <a:t>Include a graphic about the model</a:t>
+            </a:r>
+          </a:p>
+        </p:txBody>
+      </p:sp>
+    </p:spTree>
+    <p:extLst>
+      <p:ext uri="{BB962C8B-B14F-4D97-AF65-F5344CB8AC3E}">
+        <p14:creationId xmlns:p14="http://schemas.microsoft.com/office/powerpoint/2010/main" val="3951586972"/>
       </p:ext>
     </p:extLst>
   </p:cSld>

--- a/Final_Results/UCLA_WiDS_Team_2_Results.pptx
+++ b/Final_Results/UCLA_WiDS_Team_2_Results.pptx
@@ -4220,7 +4220,11 @@
           <a:lstStyle/>
           <a:p>
             <a:r>
-              <a:rPr lang="en-US" dirty="0"/>
+              <a:rPr lang="en-US" dirty="0">
+                <a:highlight>
+                  <a:srgbClr val="000080"/>
+                </a:highlight>
+              </a:rPr>
               <a:t>Preliminary Planning</a:t>
             </a:r>
           </a:p>
@@ -4269,6 +4273,16 @@
             </a:r>
           </a:p>
           <a:p>
+            <a:r>
+              <a:rPr lang="en-US" dirty="0">
+                <a:highlight>
+                  <a:srgbClr val="000080"/>
+                </a:highlight>
+              </a:rPr>
+              <a:t>Fill in more stuff here</a:t>
+            </a:r>
+          </a:p>
+          <a:p>
             <a:endParaRPr lang="en-US" dirty="0"/>
           </a:p>
         </p:txBody>
@@ -4324,7 +4338,11 @@
           <a:p>
             <a:pPr lvl="1"/>
             <a:r>
-              <a:rPr lang="en-US" dirty="0"/>
+              <a:rPr lang="en-US" dirty="0">
+                <a:highlight>
+                  <a:srgbClr val="000080"/>
+                </a:highlight>
+              </a:rPr>
               <a:t>Data Preparation: we each completed similar steps but </a:t>
             </a:r>
           </a:p>
@@ -4382,9 +4400,26 @@
           <a:lstStyle/>
           <a:p>
             <a:r>
-              <a:rPr lang="en-US" dirty="0"/>
-              <a:t>Data Preparation</a:t>
-            </a:r>
+              <a:rPr lang="en-US" dirty="0">
+                <a:highlight>
+                  <a:srgbClr val="000080"/>
+                </a:highlight>
+              </a:rPr>
+              <a:t>Data Preparation (steps </a:t>
+            </a:r>
+            <a:r>
+              <a:rPr lang="en-US">
+                <a:highlight>
+                  <a:srgbClr val="000080"/>
+                </a:highlight>
+              </a:rPr>
+              <a:t>+ results)</a:t>
+            </a:r>
+            <a:endParaRPr lang="en-US" dirty="0">
+              <a:highlight>
+                <a:srgbClr val="000080"/>
+              </a:highlight>
+            </a:endParaRPr>
           </a:p>
         </p:txBody>
       </p:sp>
@@ -4492,7 +4527,11 @@
           <a:lstStyle/>
           <a:p>
             <a:r>
-              <a:rPr lang="en-US" dirty="0"/>
+              <a:rPr lang="en-US" dirty="0">
+                <a:highlight>
+                  <a:srgbClr val="000080"/>
+                </a:highlight>
+              </a:rPr>
               <a:t>Modeling + Evaluation</a:t>
             </a:r>
           </a:p>
@@ -4602,7 +4641,11 @@
           <a:lstStyle/>
           <a:p>
             <a:r>
-              <a:rPr lang="en-US" dirty="0"/>
+              <a:rPr lang="en-US" dirty="0">
+                <a:highlight>
+                  <a:srgbClr val="000080"/>
+                </a:highlight>
+              </a:rPr>
               <a:t>BEST PERFORMING MODEL</a:t>
             </a:r>
           </a:p>
@@ -4709,7 +4752,11 @@
               <a:buChar char="Ø"/>
             </a:pPr>
             <a:r>
-              <a:rPr lang="en-US" dirty="0"/>
+              <a:rPr lang="en-US" dirty="0">
+                <a:highlight>
+                  <a:srgbClr val="000080"/>
+                </a:highlight>
+              </a:rPr>
               <a:t>Include a graphic about the model</a:t>
             </a:r>
           </a:p>

--- a/Final_Results/UCLA_WiDS_Team_2_Results.pptx
+++ b/Final_Results/UCLA_WiDS_Team_2_Results.pptx
@@ -4444,6 +4444,13 @@
           <a:bodyPr/>
           <a:lstStyle/>
           <a:p>
+            <a:r>
+              <a:rPr lang="en-US" dirty="0" err="1"/>
+              <a:t>Shubhangi_Data_Prep</a:t>
+            </a:r>
+            <a:endParaRPr lang="en-US"/>
+          </a:p>
+          <a:p>
             <a:endParaRPr lang="en-US" dirty="0"/>
           </a:p>
         </p:txBody>
@@ -4469,7 +4476,11 @@
           <a:bodyPr/>
           <a:lstStyle/>
           <a:p>
-            <a:endParaRPr lang="en-US"/>
+            <a:r>
+              <a:rPr lang="en-US" dirty="0" err="1"/>
+              <a:t>Maria_Data_Prep</a:t>
+            </a:r>
+            <a:endParaRPr lang="en-US" dirty="0"/>
           </a:p>
         </p:txBody>
       </p:sp>

--- a/Final_Results/UCLA_WiDS_Team_2_Results.pptx
+++ b/Final_Results/UCLA_WiDS_Team_2_Results.pptx
@@ -4283,6 +4283,29 @@
             </a:r>
           </a:p>
           <a:p>
+            <a:r>
+              <a:rPr lang="en-US" dirty="0">
+                <a:highlight>
+                  <a:srgbClr val="000080"/>
+                </a:highlight>
+              </a:rPr>
+              <a:t>Need to update notes.docx and models to </a:t>
+            </a:r>
+            <a:r>
+              <a:rPr lang="en-US">
+                <a:highlight>
+                  <a:srgbClr val="000080"/>
+                </a:highlight>
+              </a:rPr>
+              <a:t>try.docx</a:t>
+            </a:r>
+            <a:endParaRPr lang="en-US" dirty="0">
+              <a:highlight>
+                <a:srgbClr val="000080"/>
+              </a:highlight>
+            </a:endParaRPr>
+          </a:p>
+          <a:p>
             <a:endParaRPr lang="en-US" dirty="0"/>
           </a:p>
         </p:txBody>

--- a/Final_Results/UCLA_WiDS_Team_2_Results.pptx
+++ b/Final_Results/UCLA_WiDS_Team_2_Results.pptx
@@ -4289,21 +4289,8 @@
                   <a:srgbClr val="000080"/>
                 </a:highlight>
               </a:rPr>
-              <a:t>Need to update notes.docx and models to </a:t>
-            </a:r>
-            <a:r>
-              <a:rPr lang="en-US">
-                <a:highlight>
-                  <a:srgbClr val="000080"/>
-                </a:highlight>
-              </a:rPr>
-              <a:t>try.docx</a:t>
-            </a:r>
-            <a:endParaRPr lang="en-US" dirty="0">
-              <a:highlight>
-                <a:srgbClr val="000080"/>
-              </a:highlight>
-            </a:endParaRPr>
+              <a:t>Need to update notes.docx and models to try.docx</a:t>
+            </a:r>
           </a:p>
           <a:p>
             <a:endParaRPr lang="en-US" dirty="0"/>
@@ -4471,11 +4458,17 @@
               <a:rPr lang="en-US" dirty="0" err="1"/>
               <a:t>Shubhangi_Data_Prep</a:t>
             </a:r>
-            <a:endParaRPr lang="en-US"/>
-          </a:p>
-          <a:p>
             <a:endParaRPr lang="en-US" dirty="0"/>
           </a:p>
+          <a:p>
+            <a:r>
+              <a:rPr lang="en-US" dirty="0"/>
+              <a:t>Fill in steps</a:t>
+            </a:r>
+          </a:p>
+          <a:p>
+            <a:endParaRPr lang="en-US" dirty="0"/>
+          </a:p>
         </p:txBody>
       </p:sp>
       <p:sp>
@@ -4501,9 +4494,15 @@
           <a:p>
             <a:r>
               <a:rPr lang="en-US" dirty="0" err="1"/>
-              <a:t>Maria_Data_Prep</a:t>
+              <a:t>Mariia_Data_Prep</a:t>
             </a:r>
             <a:endParaRPr lang="en-US" dirty="0"/>
+          </a:p>
+          <a:p>
+            <a:r>
+              <a:rPr lang="en-US" dirty="0"/>
+              <a:t>Fill in steps</a:t>
+            </a:r>
           </a:p>
         </p:txBody>
       </p:sp>

--- a/Final_Results/UCLA_WiDS_Team_2_Results.pptx
+++ b/Final_Results/UCLA_WiDS_Team_2_Results.pptx
@@ -4591,7 +4591,17 @@
           <a:bodyPr/>
           <a:lstStyle/>
           <a:p>
-            <a:endParaRPr lang="en-US"/>
+            <a:r>
+              <a:rPr lang="en-US" dirty="0"/>
+              <a:t>Decision Tree</a:t>
+            </a:r>
+          </a:p>
+          <a:p>
+            <a:r>
+              <a:rPr lang="en-US"/>
+              <a:t>PROCESS +RESULTS</a:t>
+            </a:r>
+            <a:endParaRPr lang="en-US" dirty="0"/>
           </a:p>
         </p:txBody>
       </p:sp>
@@ -4616,7 +4626,16 @@
           <a:bodyPr/>
           <a:lstStyle/>
           <a:p>
-            <a:endParaRPr lang="en-US"/>
+            <a:r>
+              <a:rPr lang="en-US" dirty="0"/>
+              <a:t>Random Forest</a:t>
+            </a:r>
+          </a:p>
+          <a:p>
+            <a:r>
+              <a:rPr lang="en-US" dirty="0"/>
+              <a:t>PROCESS +RESULTS</a:t>
+            </a:r>
           </a:p>
         </p:txBody>
       </p:sp>

--- a/Final_Results/UCLA_WiDS_Team_2_Results.pptx
+++ b/Final_Results/UCLA_WiDS_Team_2_Results.pptx
@@ -11,6 +11,8 @@
     <p:sldId id="261" r:id="rId5"/>
     <p:sldId id="260" r:id="rId6"/>
     <p:sldId id="259" r:id="rId7"/>
+    <p:sldId id="262" r:id="rId8"/>
+    <p:sldId id="263" r:id="rId9"/>
   </p:sldIdLst>
   <p:sldSz cx="12192000" cy="6858000"/>
   <p:notesSz cx="6858000" cy="9144000"/>
@@ -4598,10 +4600,9 @@
           </a:p>
           <a:p>
             <a:r>
-              <a:rPr lang="en-US"/>
+              <a:rPr lang="en-US" dirty="0"/>
               <a:t>PROCESS +RESULTS</a:t>
             </a:r>
-            <a:endParaRPr lang="en-US" dirty="0"/>
           </a:p>
         </p:txBody>
       </p:sp>
@@ -4818,6 +4819,179 @@
     <p:extLst>
       <p:ext uri="{BB962C8B-B14F-4D97-AF65-F5344CB8AC3E}">
         <p14:creationId xmlns:p14="http://schemas.microsoft.com/office/powerpoint/2010/main" val="3951586972"/>
+      </p:ext>
+    </p:extLst>
+  </p:cSld>
+  <p:clrMapOvr>
+    <a:masterClrMapping/>
+  </p:clrMapOvr>
+</p:sld>
+</file>
+
+<file path=ppt/slides/slide7.xml><?xml version="1.0" encoding="utf-8"?>
+<p:sld xmlns:a="http://schemas.openxmlformats.org/drawingml/2006/main" xmlns:r="http://schemas.openxmlformats.org/officeDocument/2006/relationships" xmlns:p="http://schemas.openxmlformats.org/presentationml/2006/main">
+  <p:cSld>
+    <p:spTree>
+      <p:nvGrpSpPr>
+        <p:cNvPr id="1" name=""/>
+        <p:cNvGrpSpPr/>
+        <p:nvPr/>
+      </p:nvGrpSpPr>
+      <p:grpSpPr>
+        <a:xfrm>
+          <a:off x="0" y="0"/>
+          <a:ext cx="0" cy="0"/>
+          <a:chOff x="0" y="0"/>
+          <a:chExt cx="0" cy="0"/>
+        </a:xfrm>
+      </p:grpSpPr>
+      <p:sp>
+        <p:nvSpPr>
+          <p:cNvPr id="2" name="Title 1">
+            <a:extLst>
+              <a:ext uri="{FF2B5EF4-FFF2-40B4-BE49-F238E27FC236}">
+                <a16:creationId xmlns:a16="http://schemas.microsoft.com/office/drawing/2014/main" id="{B2D10087-2918-A75E-B6BC-25C73224269F}"/>
+              </a:ext>
+            </a:extLst>
+          </p:cNvPr>
+          <p:cNvSpPr>
+            <a:spLocks noGrp="1"/>
+          </p:cNvSpPr>
+          <p:nvPr>
+            <p:ph type="title"/>
+          </p:nvPr>
+        </p:nvSpPr>
+        <p:spPr/>
+        <p:txBody>
+          <a:bodyPr/>
+          <a:lstStyle/>
+          <a:p>
+            <a:r>
+              <a:rPr lang="en-US"/>
+              <a:t>TAKEAWAYS</a:t>
+            </a:r>
+            <a:endParaRPr lang="en-US" dirty="0"/>
+          </a:p>
+        </p:txBody>
+      </p:sp>
+      <p:sp>
+        <p:nvSpPr>
+          <p:cNvPr id="3" name="Content Placeholder 2">
+            <a:extLst>
+              <a:ext uri="{FF2B5EF4-FFF2-40B4-BE49-F238E27FC236}">
+                <a16:creationId xmlns:a16="http://schemas.microsoft.com/office/drawing/2014/main" id="{FFE186CD-CB10-2FF9-84C7-278D4B35B060}"/>
+              </a:ext>
+            </a:extLst>
+          </p:cNvPr>
+          <p:cNvSpPr>
+            <a:spLocks noGrp="1"/>
+          </p:cNvSpPr>
+          <p:nvPr>
+            <p:ph idx="1"/>
+          </p:nvPr>
+        </p:nvSpPr>
+        <p:spPr/>
+        <p:txBody>
+          <a:bodyPr/>
+          <a:lstStyle/>
+          <a:p>
+            <a:endParaRPr lang="en-US" dirty="0"/>
+          </a:p>
+        </p:txBody>
+      </p:sp>
+    </p:spTree>
+    <p:extLst>
+      <p:ext uri="{BB962C8B-B14F-4D97-AF65-F5344CB8AC3E}">
+        <p14:creationId xmlns:p14="http://schemas.microsoft.com/office/powerpoint/2010/main" val="2277629291"/>
+      </p:ext>
+    </p:extLst>
+  </p:cSld>
+  <p:clrMapOvr>
+    <a:masterClrMapping/>
+  </p:clrMapOvr>
+</p:sld>
+</file>
+
+<file path=ppt/slides/slide8.xml><?xml version="1.0" encoding="utf-8"?>
+<p:sld xmlns:a="http://schemas.openxmlformats.org/drawingml/2006/main" xmlns:r="http://schemas.openxmlformats.org/officeDocument/2006/relationships" xmlns:p="http://schemas.openxmlformats.org/presentationml/2006/main">
+  <p:cSld>
+    <p:spTree>
+      <p:nvGrpSpPr>
+        <p:cNvPr id="1" name="">
+          <a:extLst>
+            <a:ext uri="{FF2B5EF4-FFF2-40B4-BE49-F238E27FC236}">
+              <a16:creationId xmlns:a16="http://schemas.microsoft.com/office/drawing/2014/main" id="{38169EAA-5D61-E342-1599-9EC0C0DDFD21}"/>
+            </a:ext>
+          </a:extLst>
+        </p:cNvPr>
+        <p:cNvGrpSpPr/>
+        <p:nvPr/>
+      </p:nvGrpSpPr>
+      <p:grpSpPr>
+        <a:xfrm>
+          <a:off x="0" y="0"/>
+          <a:ext cx="0" cy="0"/>
+          <a:chOff x="0" y="0"/>
+          <a:chExt cx="0" cy="0"/>
+        </a:xfrm>
+      </p:grpSpPr>
+      <p:sp>
+        <p:nvSpPr>
+          <p:cNvPr id="2" name="Title 1">
+            <a:extLst>
+              <a:ext uri="{FF2B5EF4-FFF2-40B4-BE49-F238E27FC236}">
+                <a16:creationId xmlns:a16="http://schemas.microsoft.com/office/drawing/2014/main" id="{F8ACFF1F-BC90-64B3-CC71-D900AE6F377D}"/>
+              </a:ext>
+            </a:extLst>
+          </p:cNvPr>
+          <p:cNvSpPr>
+            <a:spLocks noGrp="1"/>
+          </p:cNvSpPr>
+          <p:nvPr>
+            <p:ph type="title"/>
+          </p:nvPr>
+        </p:nvSpPr>
+        <p:spPr/>
+        <p:txBody>
+          <a:bodyPr/>
+          <a:lstStyle/>
+          <a:p>
+            <a:r>
+              <a:rPr lang="en-US" dirty="0"/>
+              <a:t>IMPROVEMENTS (maybe?)</a:t>
+            </a:r>
+          </a:p>
+        </p:txBody>
+      </p:sp>
+      <p:sp>
+        <p:nvSpPr>
+          <p:cNvPr id="3" name="Content Placeholder 2">
+            <a:extLst>
+              <a:ext uri="{FF2B5EF4-FFF2-40B4-BE49-F238E27FC236}">
+                <a16:creationId xmlns:a16="http://schemas.microsoft.com/office/drawing/2014/main" id="{81FDFFD8-690D-0F38-78A0-74DDAC506788}"/>
+              </a:ext>
+            </a:extLst>
+          </p:cNvPr>
+          <p:cNvSpPr>
+            <a:spLocks noGrp="1"/>
+          </p:cNvSpPr>
+          <p:nvPr>
+            <p:ph idx="1"/>
+          </p:nvPr>
+        </p:nvSpPr>
+        <p:spPr/>
+        <p:txBody>
+          <a:bodyPr/>
+          <a:lstStyle/>
+          <a:p>
+            <a:endParaRPr lang="en-US"/>
+          </a:p>
+        </p:txBody>
+      </p:sp>
+    </p:spTree>
+    <p:extLst>
+      <p:ext uri="{BB962C8B-B14F-4D97-AF65-F5344CB8AC3E}">
+        <p14:creationId xmlns:p14="http://schemas.microsoft.com/office/powerpoint/2010/main" val="3565628957"/>
       </p:ext>
     </p:extLst>
   </p:cSld>
